--- a/House Price Presentation.pptx
+++ b/House Price Presentation.pptx
@@ -167,7 +167,7 @@
   <p1510:revLst>
     <p1510:client id="{832B5093-1020-4F03-ADE9-295C2E8D988C}" v="172" dt="2021-09-23T05:24:11.898"/>
     <p1510:client id="{D63D7899-0D9D-45FA-8C94-833CBD731201}" v="226" dt="2021-09-22T21:15:15.693"/>
-    <p1510:client id="{FC658595-93DA-434A-9AC4-0A14DE999733}" v="8" dt="2021-09-23T07:12:38.683"/>
+    <p1510:client id="{FC658595-93DA-434A-9AC4-0A14DE999733}" v="10" dt="2021-09-23T10:04:27.014"/>
   </p1510:revLst>
 </p1510:revInfo>
 </file>
@@ -1403,12 +1403,12 @@
   <pc:docChgLst>
     <pc:chgData name="Franco Hung" userId="50f19df39372ef09" providerId="LiveId" clId="{FC658595-93DA-434A-9AC4-0A14DE999733}"/>
     <pc:docChg chg="undo custSel addSld delSld modSld sldOrd">
-      <pc:chgData name="Franco Hung" userId="50f19df39372ef09" providerId="LiveId" clId="{FC658595-93DA-434A-9AC4-0A14DE999733}" dt="2021-09-23T07:12:38.680" v="2350"/>
+      <pc:chgData name="Franco Hung" userId="50f19df39372ef09" providerId="LiveId" clId="{FC658595-93DA-434A-9AC4-0A14DE999733}" dt="2021-09-23T10:06:05.648" v="2850" actId="47"/>
       <pc:docMkLst>
         <pc:docMk/>
       </pc:docMkLst>
       <pc:sldChg chg="modSp mod ord modNotesTx">
-        <pc:chgData name="Franco Hung" userId="50f19df39372ef09" providerId="LiveId" clId="{FC658595-93DA-434A-9AC4-0A14DE999733}" dt="2021-09-23T06:32:15.052" v="1773"/>
+        <pc:chgData name="Franco Hung" userId="50f19df39372ef09" providerId="LiveId" clId="{FC658595-93DA-434A-9AC4-0A14DE999733}" dt="2021-09-23T07:55:41.656" v="2451"/>
         <pc:sldMkLst>
           <pc:docMk/>
           <pc:sldMk cId="2584280759" sldId="257"/>
@@ -1474,7 +1474,7 @@
         </pc:sldMkLst>
       </pc:sldChg>
       <pc:sldChg chg="addSp delSp modSp mod ord modClrScheme chgLayout modNotesTx">
-        <pc:chgData name="Franco Hung" userId="50f19df39372ef09" providerId="LiveId" clId="{FC658595-93DA-434A-9AC4-0A14DE999733}" dt="2021-09-23T06:34:14.495" v="1795" actId="26606"/>
+        <pc:chgData name="Franco Hung" userId="50f19df39372ef09" providerId="LiveId" clId="{FC658595-93DA-434A-9AC4-0A14DE999733}" dt="2021-09-23T08:35:27.049" v="2741" actId="20577"/>
         <pc:sldMkLst>
           <pc:docMk/>
           <pc:sldMk cId="615609825" sldId="279"/>
@@ -1488,7 +1488,7 @@
           </ac:spMkLst>
         </pc:spChg>
         <pc:spChg chg="mod">
-          <ac:chgData name="Franco Hung" userId="50f19df39372ef09" providerId="LiveId" clId="{FC658595-93DA-434A-9AC4-0A14DE999733}" dt="2021-09-23T06:34:14.495" v="1795" actId="26606"/>
+          <ac:chgData name="Franco Hung" userId="50f19df39372ef09" providerId="LiveId" clId="{FC658595-93DA-434A-9AC4-0A14DE999733}" dt="2021-09-23T08:35:27.049" v="2741" actId="20577"/>
           <ac:spMkLst>
             <pc:docMk/>
             <pc:sldMk cId="615609825" sldId="279"/>
@@ -1520,7 +1520,7 @@
         </pc:sldMkLst>
       </pc:sldChg>
       <pc:sldChg chg="modSp mod ord modNotesTx">
-        <pc:chgData name="Franco Hung" userId="50f19df39372ef09" providerId="LiveId" clId="{FC658595-93DA-434A-9AC4-0A14DE999733}" dt="2021-09-23T05:47:07.074" v="560"/>
+        <pc:chgData name="Franco Hung" userId="50f19df39372ef09" providerId="LiveId" clId="{FC658595-93DA-434A-9AC4-0A14DE999733}" dt="2021-09-23T08:16:26.660" v="2595" actId="6549"/>
         <pc:sldMkLst>
           <pc:docMk/>
           <pc:sldMk cId="381745583" sldId="281"/>
@@ -1558,7 +1558,7 @@
         </pc:spChg>
       </pc:sldChg>
       <pc:sldChg chg="addSp delSp modSp mod ord modNotesTx">
-        <pc:chgData name="Franco Hung" userId="50f19df39372ef09" providerId="LiveId" clId="{FC658595-93DA-434A-9AC4-0A14DE999733}" dt="2021-09-23T07:08:03.724" v="2265"/>
+        <pc:chgData name="Franco Hung" userId="50f19df39372ef09" providerId="LiveId" clId="{FC658595-93DA-434A-9AC4-0A14DE999733}" dt="2021-09-23T08:26:46.110" v="2628" actId="20577"/>
         <pc:sldMkLst>
           <pc:docMk/>
           <pc:sldMk cId="278247034" sldId="297"/>
@@ -1620,7 +1620,7 @@
         </pc:picChg>
       </pc:sldChg>
       <pc:sldChg chg="modNotesTx">
-        <pc:chgData name="Franco Hung" userId="50f19df39372ef09" providerId="LiveId" clId="{FC658595-93DA-434A-9AC4-0A14DE999733}" dt="2021-09-23T07:10:18.711" v="2349" actId="20577"/>
+        <pc:chgData name="Franco Hung" userId="50f19df39372ef09" providerId="LiveId" clId="{FC658595-93DA-434A-9AC4-0A14DE999733}" dt="2021-09-23T08:09:08.019" v="2456"/>
         <pc:sldMkLst>
           <pc:docMk/>
           <pc:sldMk cId="1020550395" sldId="299"/>
@@ -1750,6 +1750,29 @@
           <pc:docMk/>
           <pc:sldMk cId="3302923786" sldId="311"/>
         </pc:sldMkLst>
+      </pc:sldChg>
+      <pc:sldChg chg="addSp modSp new del mod">
+        <pc:chgData name="Franco Hung" userId="50f19df39372ef09" providerId="LiveId" clId="{FC658595-93DA-434A-9AC4-0A14DE999733}" dt="2021-09-23T10:06:05.648" v="2850" actId="47"/>
+        <pc:sldMkLst>
+          <pc:docMk/>
+          <pc:sldMk cId="2669039268" sldId="312"/>
+        </pc:sldMkLst>
+        <pc:spChg chg="mod">
+          <ac:chgData name="Franco Hung" userId="50f19df39372ef09" providerId="LiveId" clId="{FC658595-93DA-434A-9AC4-0A14DE999733}" dt="2021-09-23T10:03:49.312" v="2752" actId="20577"/>
+          <ac:spMkLst>
+            <pc:docMk/>
+            <pc:sldMk cId="2669039268" sldId="312"/>
+            <ac:spMk id="2" creationId="{7A54861A-360C-4CCD-AF94-8876C1F532B4}"/>
+          </ac:spMkLst>
+        </pc:spChg>
+        <pc:spChg chg="add mod">
+          <ac:chgData name="Franco Hung" userId="50f19df39372ef09" providerId="LiveId" clId="{FC658595-93DA-434A-9AC4-0A14DE999733}" dt="2021-09-23T10:05:58.073" v="2849" actId="20577"/>
+          <ac:spMkLst>
+            <pc:docMk/>
+            <pc:sldMk cId="2669039268" sldId="312"/>
+            <ac:spMk id="3" creationId="{7586BAF4-65DF-4702-8EDF-16DF87015FF8}"/>
+          </ac:spMkLst>
+        </pc:spChg>
       </pc:sldChg>
     </pc:docChg>
   </pc:docChgLst>
@@ -6654,25 +6677,25 @@
           <a:p>
             <a:r>
               <a:rPr lang="en-US" sz="1200" dirty="0"/>
-              <a:t>Franco – Data collection and basic cleaning. Analysis for house price and train stations</a:t>
+              <a:t>Franco – data collection and cleaning train stations </a:t>
             </a:r>
           </a:p>
           <a:p>
             <a:r>
               <a:rPr lang="en-US" sz="1200" dirty="0"/>
-              <a:t>Nasrin – Analysis for house price and distance between CBD</a:t>
+              <a:t>Nasrin – distance between CBD</a:t>
             </a:r>
           </a:p>
           <a:p>
             <a:r>
               <a:rPr lang="en-US" sz="1200" dirty="0"/>
-              <a:t>Catherine – Analysis for house price and crime rate</a:t>
+              <a:t>Catherine – crime rate</a:t>
             </a:r>
           </a:p>
           <a:p>
             <a:r>
               <a:rPr lang="en-US" sz="1200" dirty="0"/>
-              <a:t>Joseph – Analysis for house price and school number and finalize</a:t>
+              <a:t>Joseph – school number and finalize</a:t>
             </a:r>
           </a:p>
         </p:txBody>
@@ -6761,6 +6784,21 @@
               <a:rPr lang="en-US" dirty="0"/>
               <a:t>Conclusion is the more train station around the suburb the higher the house price</a:t>
             </a:r>
+          </a:p>
+          <a:p>
+            <a:r>
+              <a:rPr lang="en-US" b="0" i="0" dirty="0">
+                <a:solidFill>
+                  <a:srgbClr val="D1D2D3"/>
+                </a:solidFill>
+                <a:effectLst/>
+                <a:latin typeface="Slack-Lato"/>
+              </a:rPr>
+              <a:t>Limitation of the data : just 3 year period ; we are just getting the sales price overall.</a:t>
+            </a:r>
+            <a:endParaRPr lang="en-US" dirty="0"/>
+          </a:p>
+          <a:p>
             <a:endParaRPr lang="en-AU" dirty="0"/>
           </a:p>
         </p:txBody>
@@ -7057,6 +7095,90 @@
 </p:notes>
 </file>
 
+<file path=ppt/notesSlides/notesSlide14.xml><?xml version="1.0" encoding="utf-8"?>
+<p:notes xmlns:a="http://schemas.openxmlformats.org/drawingml/2006/main" xmlns:r="http://schemas.openxmlformats.org/officeDocument/2006/relationships" xmlns:p="http://schemas.openxmlformats.org/presentationml/2006/main">
+  <p:cSld>
+    <p:spTree>
+      <p:nvGrpSpPr>
+        <p:cNvPr id="1" name=""/>
+        <p:cNvGrpSpPr/>
+        <p:nvPr/>
+      </p:nvGrpSpPr>
+      <p:grpSpPr>
+        <a:xfrm>
+          <a:off x="0" y="0"/>
+          <a:ext cx="0" cy="0"/>
+          <a:chOff x="0" y="0"/>
+          <a:chExt cx="0" cy="0"/>
+        </a:xfrm>
+      </p:grpSpPr>
+      <p:sp>
+        <p:nvSpPr>
+          <p:cNvPr id="2" name="Slide Image Placeholder 1"/>
+          <p:cNvSpPr>
+            <a:spLocks noGrp="1" noRot="1" noChangeAspect="1"/>
+          </p:cNvSpPr>
+          <p:nvPr>
+            <p:ph type="sldImg"/>
+          </p:nvPr>
+        </p:nvSpPr>
+        <p:spPr/>
+      </p:sp>
+      <p:sp>
+        <p:nvSpPr>
+          <p:cNvPr id="3" name="Notes Placeholder 2"/>
+          <p:cNvSpPr>
+            <a:spLocks noGrp="1"/>
+          </p:cNvSpPr>
+          <p:nvPr>
+            <p:ph type="body" idx="1"/>
+          </p:nvPr>
+        </p:nvSpPr>
+        <p:spPr/>
+        <p:txBody>
+          <a:bodyPr/>
+          <a:lstStyle/>
+          <a:p>
+            <a:endParaRPr lang="en-AU" dirty="0"/>
+          </a:p>
+        </p:txBody>
+      </p:sp>
+      <p:sp>
+        <p:nvSpPr>
+          <p:cNvPr id="4" name="Slide Number Placeholder 3"/>
+          <p:cNvSpPr>
+            <a:spLocks noGrp="1"/>
+          </p:cNvSpPr>
+          <p:nvPr>
+            <p:ph type="sldNum" sz="quarter" idx="5"/>
+          </p:nvPr>
+        </p:nvSpPr>
+        <p:spPr/>
+        <p:txBody>
+          <a:bodyPr/>
+          <a:lstStyle/>
+          <a:p>
+            <a:fld id="{F1BFF43B-341D-42C8-B633-A7F1B87DFB3D}" type="slidenum">
+              <a:rPr lang="en-AU" smtClean="0"/>
+              <a:t>48</a:t>
+            </a:fld>
+            <a:endParaRPr lang="en-AU"/>
+          </a:p>
+        </p:txBody>
+      </p:sp>
+    </p:spTree>
+    <p:extLst>
+      <p:ext uri="{BB962C8B-B14F-4D97-AF65-F5344CB8AC3E}">
+        <p14:creationId xmlns:p14="http://schemas.microsoft.com/office/powerpoint/2010/main" val="1909477364"/>
+      </p:ext>
+    </p:extLst>
+  </p:cSld>
+  <p:clrMapOvr>
+    <a:masterClrMapping/>
+  </p:clrMapOvr>
+</p:notes>
+</file>
+
 <file path=ppt/notesSlides/notesSlide2.xml><?xml version="1.0" encoding="utf-8"?>
 <p:notes xmlns:a="http://schemas.openxmlformats.org/drawingml/2006/main" xmlns:r="http://schemas.openxmlformats.org/officeDocument/2006/relationships" xmlns:p="http://schemas.openxmlformats.org/presentationml/2006/main">
   <p:cSld>
@@ -7565,13 +7687,8 @@
           <a:p>
             <a:r>
               <a:rPr lang="en-US" dirty="0"/>
-              <a:t>Functions include fill Na, rename columns, change data types, filter and </a:t>
-            </a:r>
-            <a:r>
-              <a:rPr lang="en-US"/>
-              <a:t>drop columns</a:t>
-            </a:r>
-            <a:endParaRPr lang="en-US" dirty="0"/>
+              <a:t>Functions include fill Na, rename columns, change data types, filter and drop columns</a:t>
+            </a:r>
           </a:p>
           <a:p>
             <a:r>
@@ -7702,7 +7819,11 @@
             </a:r>
           </a:p>
           <a:p>
-            <a:endParaRPr lang="en-AU" dirty="0"/>
+            <a:pPr marL="342900" indent="-342900">
+              <a:buFont typeface="+mj-lt"/>
+              <a:buAutoNum type="arabicPeriod"/>
+            </a:pPr>
+            <a:endParaRPr lang="en-AU" sz="1200" dirty="0"/>
           </a:p>
         </p:txBody>
       </p:sp>
@@ -16262,9 +16383,6 @@
             </a:r>
             <a:endParaRPr lang="en-AU" dirty="0"/>
           </a:p>
-          <a:p>
-            <a:endParaRPr lang="en-AU" dirty="0"/>
-          </a:p>
         </p:txBody>
       </p:sp>
     </p:spTree>
@@ -20294,7 +20412,7 @@
           <p:nvPr/>
         </p:nvPicPr>
         <p:blipFill>
-          <a:blip r:embed="rId2"/>
+          <a:blip r:embed="rId3"/>
           <a:stretch>
             <a:fillRect/>
           </a:stretch>
@@ -22038,6 +22156,15 @@
 </file>
 
 <file path=customXml/item1.xml><?xml version="1.0" encoding="utf-8"?>
+<p:properties xmlns:p="http://schemas.microsoft.com/office/2006/metadata/properties" xmlns:xsi="http://www.w3.org/2001/XMLSchema-instance" xmlns:pc="http://schemas.microsoft.com/office/infopath/2007/PartnerControls">
+  <documentManagement>
+    <Status xmlns="71af3243-3dd4-4a8d-8c0d-dd76da1f02a5">Not started</Status>
+    <MediaServiceKeyPoints xmlns="71af3243-3dd4-4a8d-8c0d-dd76da1f02a5" xsi:nil="true"/>
+  </documentManagement>
+</p:properties>
+</file>
+
+<file path=customXml/item2.xml><?xml version="1.0" encoding="utf-8"?>
 <ct:contentTypeSchema xmlns:ct="http://schemas.microsoft.com/office/2006/metadata/contentType" xmlns:ma="http://schemas.microsoft.com/office/2006/metadata/properties/metaAttributes" ct:_="" ma:_="" ma:contentTypeName="Document" ma:contentTypeID="0x01010079F111ED35F8CC479449609E8A0923A6" ma:contentTypeVersion="12" ma:contentTypeDescription="Create a new document." ma:contentTypeScope="" ma:versionID="a410dd7f93c95333ffa1b60ed6adedd1">
   <xsd:schema xmlns:xsd="http://www.w3.org/2001/XMLSchema" xmlns:xs="http://www.w3.org/2001/XMLSchema" xmlns:p="http://schemas.microsoft.com/office/2006/metadata/properties" xmlns:ns2="71af3243-3dd4-4a8d-8c0d-dd76da1f02a5" xmlns:ns3="16c05727-aa75-4e4a-9b5f-8a80a1165891" targetNamespace="http://schemas.microsoft.com/office/2006/metadata/properties" ma:root="true" ma:fieldsID="a936d9baba76aa3866493feff160faab" ns2:_="" ns3:_="">
     <xsd:import namespace="71af3243-3dd4-4a8d-8c0d-dd76da1f02a5"/>
@@ -22258,7 +22385,7 @@
 </ct:contentTypeSchema>
 </file>
 
-<file path=customXml/item2.xml><?xml version="1.0" encoding="utf-8"?>
+<file path=customXml/item3.xml><?xml version="1.0" encoding="utf-8"?>
 <?mso-contentType ?>
 <FormTemplates xmlns="http://schemas.microsoft.com/sharepoint/v3/contenttype/forms">
   <Display>DocumentLibraryForm</Display>
@@ -22267,16 +22394,17 @@
 </FormTemplates>
 </file>
 
-<file path=customXml/item3.xml><?xml version="1.0" encoding="utf-8"?>
-<p:properties xmlns:p="http://schemas.microsoft.com/office/2006/metadata/properties" xmlns:xsi="http://www.w3.org/2001/XMLSchema-instance" xmlns:pc="http://schemas.microsoft.com/office/infopath/2007/PartnerControls">
-  <documentManagement>
-    <Status xmlns="71af3243-3dd4-4a8d-8c0d-dd76da1f02a5">Not started</Status>
-    <MediaServiceKeyPoints xmlns="71af3243-3dd4-4a8d-8c0d-dd76da1f02a5" xsi:nil="true"/>
-  </documentManagement>
-</p:properties>
+<file path=customXml/itemProps1.xml><?xml version="1.0" encoding="utf-8"?>
+<ds:datastoreItem xmlns:ds="http://schemas.openxmlformats.org/officeDocument/2006/customXml" ds:itemID="{137651BA-F45C-4845-9AB3-E0A65B39F5E1}">
+  <ds:schemaRefs>
+    <ds:schemaRef ds:uri="http://schemas.microsoft.com/office/2006/metadata/properties"/>
+    <ds:schemaRef ds:uri="http://schemas.microsoft.com/office/infopath/2007/PartnerControls"/>
+    <ds:schemaRef ds:uri="71af3243-3dd4-4a8d-8c0d-dd76da1f02a5"/>
+  </ds:schemaRefs>
+</ds:datastoreItem>
 </file>
 
-<file path=customXml/itemProps1.xml><?xml version="1.0" encoding="utf-8"?>
+<file path=customXml/itemProps2.xml><?xml version="1.0" encoding="utf-8"?>
 <ds:datastoreItem xmlns:ds="http://schemas.openxmlformats.org/officeDocument/2006/customXml" ds:itemID="{2D276E62-80A3-44DD-9BCC-97ED2B99B57F}">
   <ds:schemaRefs>
     <ds:schemaRef ds:uri="http://schemas.microsoft.com/office/2006/metadata/contentType"/>
@@ -22295,20 +22423,10 @@
 </ds:datastoreItem>
 </file>
 
-<file path=customXml/itemProps2.xml><?xml version="1.0" encoding="utf-8"?>
+<file path=customXml/itemProps3.xml><?xml version="1.0" encoding="utf-8"?>
 <ds:datastoreItem xmlns:ds="http://schemas.openxmlformats.org/officeDocument/2006/customXml" ds:itemID="{CDB58277-F8DF-46FF-84EC-EF41B835E69F}">
   <ds:schemaRefs>
     <ds:schemaRef ds:uri="http://schemas.microsoft.com/sharepoint/v3/contenttype/forms"/>
   </ds:schemaRefs>
 </ds:datastoreItem>
-</file>
-
-<file path=customXml/itemProps3.xml><?xml version="1.0" encoding="utf-8"?>
-<ds:datastoreItem xmlns:ds="http://schemas.openxmlformats.org/officeDocument/2006/customXml" ds:itemID="{137651BA-F45C-4845-9AB3-E0A65B39F5E1}">
-  <ds:schemaRefs>
-    <ds:schemaRef ds:uri="http://schemas.microsoft.com/office/2006/metadata/properties"/>
-    <ds:schemaRef ds:uri="http://schemas.microsoft.com/office/infopath/2007/PartnerControls"/>
-    <ds:schemaRef ds:uri="71af3243-3dd4-4a8d-8c0d-dd76da1f02a5"/>
-  </ds:schemaRefs>
-</ds:datastoreItem>
 </file>